--- a/tutorial/一分钟Git入门实战讲义.pptx
+++ b/tutorial/一分钟Git入门实战讲义.pptx
@@ -375,7 +375,7 @@
           <a:p>
             <a:fld id="{9184DA70-C731-4C70-880D-CCD4705E623C}" type="datetime1">
               <a:rPr lang="en-US" smtClean="0"/>
-              <a:t>9/19/2025</a:t>
+              <a:t>9/30/2025</a:t>
             </a:fld>
             <a:endParaRPr lang="en-US" dirty="0"/>
           </a:p>
@@ -563,7 +563,7 @@
           <a:p>
             <a:fld id="{4BE1D723-8F53-4F53-90B0-1982A396982E}" type="datetime1">
               <a:rPr lang="en-US" smtClean="0"/>
-              <a:t>9/19/2025</a:t>
+              <a:t>9/30/2025</a:t>
             </a:fld>
             <a:endParaRPr lang="en-US" dirty="0"/>
           </a:p>
@@ -936,7 +936,7 @@
           <a:p>
             <a:fld id="{97669AF7-7BEB-44E4-9852-375E34362B5B}" type="datetime1">
               <a:rPr lang="en-US" smtClean="0"/>
-              <a:t>9/19/2025</a:t>
+              <a:t>9/30/2025</a:t>
             </a:fld>
             <a:endParaRPr lang="en-US" dirty="0"/>
           </a:p>
@@ -1191,7 +1191,7 @@
           <a:p>
             <a:fld id="{BAAAC38D-0552-4C82-B593-E6124DFADBE2}" type="datetime1">
               <a:rPr lang="en-US" smtClean="0"/>
-              <a:t>9/19/2025</a:t>
+              <a:t>9/30/2025</a:t>
             </a:fld>
             <a:endParaRPr lang="en-US" dirty="0"/>
           </a:p>
@@ -1588,7 +1588,7 @@
           <a:p>
             <a:fld id="{D9DF0F1C-5577-4ACB-BB62-DF8F3C494C7E}" type="datetime1">
               <a:rPr lang="en-US" smtClean="0"/>
-              <a:t>9/19/2025</a:t>
+              <a:t>9/30/2025</a:t>
             </a:fld>
             <a:endParaRPr lang="en-US" dirty="0"/>
           </a:p>
@@ -1724,7 +1724,7 @@
           <a:p>
             <a:fld id="{1775B394-D9F9-4F0C-B15D-605F45CB9E9F}" type="datetime1">
               <a:rPr lang="en-US" smtClean="0"/>
-              <a:t>9/19/2025</a:t>
+              <a:t>9/30/2025</a:t>
             </a:fld>
             <a:endParaRPr lang="en-US" dirty="0"/>
           </a:p>
@@ -1881,7 +1881,7 @@
           <a:p>
             <a:fld id="{39667345-2558-425A-8533-9BFDBCE15005}" type="datetime1">
               <a:rPr lang="en-US" smtClean="0"/>
-              <a:t>9/19/2025</a:t>
+              <a:t>9/30/2025</a:t>
             </a:fld>
             <a:endParaRPr lang="en-US" dirty="0"/>
           </a:p>
@@ -2210,7 +2210,7 @@
           <a:p>
             <a:fld id="{92BEA474-078D-4E9B-9B14-09A87B19DC46}" type="datetime1">
               <a:rPr lang="en-US" smtClean="0"/>
-              <a:t>9/19/2025</a:t>
+              <a:t>9/30/2025</a:t>
             </a:fld>
             <a:endParaRPr lang="en-US" dirty="0"/>
           </a:p>
@@ -2560,7 +2560,7 @@
           <a:p>
             <a:fld id="{4907D986-8816-4272-A432-0437A28A9828}" type="datetime1">
               <a:rPr lang="en-US" smtClean="0"/>
-              <a:t>9/19/2025</a:t>
+              <a:t>9/30/2025</a:t>
             </a:fld>
             <a:endParaRPr lang="en-US" dirty="0"/>
           </a:p>
@@ -2821,7 +2821,7 @@
           <a:p>
             <a:fld id="{62D6E202-B606-4609-B914-27C9371A1F6D}" type="datetime1">
               <a:rPr lang="en-US" smtClean="0"/>
-              <a:t>9/19/2025</a:t>
+              <a:t>9/30/2025</a:t>
             </a:fld>
             <a:endParaRPr lang="en-US" dirty="0"/>
           </a:p>
@@ -5435,7 +5435,7 @@
             </a:pPr>
             <a:r>
               <a:rPr lang="zh-CN" altLang="en-US" dirty="0"/>
-              <a:t>如果你本地修改和张三的提交有冲突，你在变基时就会发现，并在本地解决冲突，如果你直接申请合并却有冲突，是合并不了的</a:t>
+              <a:t>如果你本地修改和李四的提交有冲突，你在变基时就会发现，并在本地解决冲突，如果你直接申请合并却有冲突，是合并不了的</a:t>
             </a:r>
             <a:endParaRPr lang="en-US" altLang="zh-CN" dirty="0"/>
           </a:p>
@@ -5446,7 +5446,7 @@
             </a:pPr>
             <a:r>
               <a:rPr lang="zh-CN" altLang="en-US" dirty="0"/>
-              <a:t>如果张三开发的功能你想使用，你可以通过变基快速的拿到张三最新的修改，例如张三开发了函数</a:t>
+              <a:t>如果李四开发的功能你想使用，你可以通过变基快速的拿到李四最新的修改，例如李四开发了函数</a:t>
             </a:r>
             <a:r>
               <a:rPr lang="en-US" altLang="zh-CN" dirty="0"/>
@@ -5462,7 +5462,7 @@
             </a:r>
             <a:r>
               <a:rPr lang="zh-CN" altLang="en-US" dirty="0"/>
-              <a:t>函数，还是选择变基一下，直接用张三写的</a:t>
+              <a:t>函数，还是选择变基一下，直接用李四写的</a:t>
             </a:r>
             <a:r>
               <a:rPr lang="en-US" altLang="zh-CN" dirty="0"/>
@@ -5793,7 +5793,19 @@
           <a:p>
             <a:r>
               <a:rPr lang="zh-CN" altLang="en-US" dirty="0"/>
-              <a:t>提交整理：交互式变基与遴选</a:t>
+              <a:t>提交整理：压缩与遴选</a:t>
+            </a:r>
+            <a:r>
+              <a:rPr lang="en-US" altLang="zh-CN" dirty="0"/>
+              <a:t>(</a:t>
+            </a:r>
+            <a:r>
+              <a:rPr lang="zh-CN" altLang="en-US" dirty="0"/>
+              <a:t>摘取</a:t>
+            </a:r>
+            <a:r>
+              <a:rPr lang="en-US" altLang="zh-CN" dirty="0"/>
+              <a:t>)</a:t>
             </a:r>
             <a:endParaRPr lang="en-US" dirty="0"/>
           </a:p>
@@ -5979,7 +5991,7 @@
         <p:spPr>
           <a:xfrm>
             <a:off x="541867" y="2438400"/>
-            <a:ext cx="8043333" cy="1200329"/>
+            <a:ext cx="8043333" cy="923330"/>
           </a:xfrm>
           <a:prstGeom prst="rect">
             <a:avLst/>
@@ -6005,7 +6017,7 @@
             </a:pPr>
             <a:r>
               <a:rPr lang="zh-CN" altLang="en-US" dirty="0"/>
-              <a:t>合并提交：将多个提交合并为一个提交，并重新命名提交的</a:t>
+              <a:t>压缩：将多个提交合并为一个提交，并重新命名提交的</a:t>
             </a:r>
             <a:r>
               <a:rPr lang="en-US" altLang="zh-CN" dirty="0"/>
@@ -6019,19 +6031,100 @@
             </a:pPr>
             <a:r>
               <a:rPr lang="zh-CN" altLang="en-US" dirty="0"/>
-              <a:t>交互式变基：修改每个提交的先后顺序，且合并个别提交</a:t>
+              <a:t>遴选：摘取某个提交到当前分支</a:t>
+            </a:r>
+          </a:p>
+        </p:txBody>
+      </p:sp>
+      <p:sp>
+        <p:nvSpPr>
+          <p:cNvPr id="8" name="文本框 7">
+            <a:extLst>
+              <a:ext uri="{FF2B5EF4-FFF2-40B4-BE49-F238E27FC236}">
+                <a16:creationId xmlns:a16="http://schemas.microsoft.com/office/drawing/2014/main" id="{6A78F3E3-6312-4815-84D5-9A26C051582F}"/>
+              </a:ext>
+            </a:extLst>
+          </p:cNvPr>
+          <p:cNvSpPr txBox="1"/>
+          <p:nvPr/>
+        </p:nvSpPr>
+        <p:spPr>
+          <a:xfrm>
+            <a:off x="495300" y="3568468"/>
+            <a:ext cx="8271933" cy="1477328"/>
+          </a:xfrm>
+          <a:prstGeom prst="rect">
+            <a:avLst/>
+          </a:prstGeom>
+          <a:solidFill>
+            <a:schemeClr val="bg1">
+              <a:lumMod val="95000"/>
+            </a:schemeClr>
+          </a:solidFill>
+        </p:spPr>
+        <p:txBody>
+          <a:bodyPr wrap="square" rtlCol="0">
+            <a:spAutoFit/>
+          </a:bodyPr>
+          <a:lstStyle/>
+          <a:p>
+            <a:r>
+              <a:rPr lang="zh-CN" altLang="en-US" dirty="0"/>
+              <a:t>演示：我们想要实现三个开发需求：</a:t>
             </a:r>
             <a:endParaRPr lang="en-US" altLang="zh-CN" dirty="0"/>
           </a:p>
           <a:p>
-            <a:pPr marL="285750" indent="-285750">
-              <a:buFont typeface="Arial" panose="020B0604020202020204" pitchFamily="34" charset="0"/>
-              <a:buChar char="•"/>
-            </a:pPr>
-            <a:r>
-              <a:rPr lang="zh-CN" altLang="en-US" dirty="0"/>
-              <a:t>遴选：摘取某个提交到当前分支</a:t>
-            </a:r>
+            <a:r>
+              <a:rPr lang="en-US" altLang="zh-CN" dirty="0"/>
+              <a:t>1</a:t>
+            </a:r>
+            <a:r>
+              <a:rPr lang="zh-CN" altLang="en-US" dirty="0"/>
+              <a:t>、修改之前的代码内的时间戳为当前时间戳</a:t>
+            </a:r>
+            <a:endParaRPr lang="en-US" altLang="zh-CN" dirty="0"/>
+          </a:p>
+          <a:p>
+            <a:r>
+              <a:rPr lang="en-US" altLang="zh-CN" dirty="0"/>
+              <a:t>2</a:t>
+            </a:r>
+            <a:r>
+              <a:rPr lang="zh-CN" altLang="en-US" dirty="0"/>
+              <a:t>、增加一行张三的时间戳</a:t>
+            </a:r>
+            <a:endParaRPr lang="en-US" altLang="zh-CN" dirty="0"/>
+          </a:p>
+          <a:p>
+            <a:r>
+              <a:rPr lang="en-US" altLang="zh-CN" dirty="0"/>
+              <a:t>3</a:t>
+            </a:r>
+            <a:r>
+              <a:rPr lang="zh-CN" altLang="en-US" dirty="0"/>
+              <a:t>、增加一行李四的时间戳</a:t>
+            </a:r>
+            <a:endParaRPr lang="en-US" altLang="zh-CN" dirty="0"/>
+          </a:p>
+          <a:p>
+            <a:r>
+              <a:rPr lang="zh-CN" altLang="en-US" dirty="0"/>
+              <a:t>基于此进行压缩和遴选</a:t>
+            </a:r>
+            <a:r>
+              <a:rPr lang="en-US" altLang="zh-CN" dirty="0"/>
+              <a:t>(</a:t>
+            </a:r>
+            <a:r>
+              <a:rPr lang="zh-CN" altLang="en-US" dirty="0"/>
+              <a:t>摘取</a:t>
+            </a:r>
+            <a:r>
+              <a:rPr lang="en-US" altLang="zh-CN" dirty="0"/>
+              <a:t>)</a:t>
+            </a:r>
+            <a:endParaRPr lang="zh-CN" altLang="en-US" dirty="0"/>
           </a:p>
         </p:txBody>
       </p:sp>
@@ -6356,7 +6449,7 @@
         </p:blipFill>
         <p:spPr>
           <a:xfrm>
-            <a:off x="8077419" y="827754"/>
+            <a:off x="8123914" y="898525"/>
             <a:ext cx="3073400" cy="4097867"/>
           </a:xfrm>
           <a:prstGeom prst="rect">
@@ -6563,7 +6656,7 @@
         <p:spPr>
           <a:xfrm>
             <a:off x="397933" y="1134533"/>
-            <a:ext cx="9000067" cy="3416320"/>
+            <a:ext cx="9000067" cy="3693319"/>
           </a:xfrm>
           <a:prstGeom prst="rect">
             <a:avLst/>
@@ -6723,6 +6816,33 @@
             <a:r>
               <a:rPr lang="zh-CN" altLang="en-US" dirty="0"/>
               <a:t>审核不通过，则修改后重新提交即可</a:t>
+            </a:r>
+            <a:endParaRPr lang="en-US" altLang="zh-CN" dirty="0"/>
+          </a:p>
+          <a:p>
+            <a:pPr marL="342900" indent="-342900">
+              <a:buFont typeface="+mj-lt"/>
+              <a:buAutoNum type="arabicPeriod"/>
+            </a:pPr>
+            <a:r>
+              <a:rPr lang="zh-CN" altLang="en-US" dirty="0"/>
+              <a:t>给</a:t>
+            </a:r>
+            <a:r>
+              <a:rPr lang="en-US" altLang="zh-CN" dirty="0"/>
+              <a:t>main</a:t>
+            </a:r>
+            <a:r>
+              <a:rPr lang="zh-CN" altLang="en-US" dirty="0"/>
+              <a:t>分支打</a:t>
+            </a:r>
+            <a:r>
+              <a:rPr lang="en-US" altLang="zh-CN" dirty="0"/>
+              <a:t>Tag</a:t>
+            </a:r>
+            <a:r>
+              <a:rPr lang="zh-CN" altLang="en-US" dirty="0"/>
+              <a:t>标签</a:t>
             </a:r>
             <a:endParaRPr lang="en-US" altLang="zh-CN" dirty="0"/>
           </a:p>
